--- a/原始绘图/作图.pptx
+++ b/原始绘图/作图.pptx
@@ -13,6 +13,7 @@
     <p:sldId id="260" r:id="rId7"/>
     <p:sldId id="261" r:id="rId8"/>
     <p:sldId id="263" r:id="rId9"/>
+    <p:sldId id="264" r:id="rId10"/>
   </p:sldIdLst>
   <p:sldSz cx="12192000" cy="6858000"/>
   <p:notesSz cx="6858000" cy="9144000"/>
@@ -17784,7 +17785,7 @@
           <a:p>
             <a:fld id="{35696731-BCD7-4B07-8D84-88CAEB94CC62}" type="datetimeFigureOut">
               <a:rPr lang="zh-CN" altLang="en-US" smtClean="0"/>
-              <a:t>2022/2/24</a:t>
+              <a:t>2022/5/15</a:t>
             </a:fld>
             <a:endParaRPr lang="zh-CN" altLang="en-US"/>
           </a:p>
@@ -17982,7 +17983,7 @@
           <a:p>
             <a:fld id="{35696731-BCD7-4B07-8D84-88CAEB94CC62}" type="datetimeFigureOut">
               <a:rPr lang="zh-CN" altLang="en-US" smtClean="0"/>
-              <a:t>2022/2/24</a:t>
+              <a:t>2022/5/15</a:t>
             </a:fld>
             <a:endParaRPr lang="zh-CN" altLang="en-US"/>
           </a:p>
@@ -18190,7 +18191,7 @@
           <a:p>
             <a:fld id="{35696731-BCD7-4B07-8D84-88CAEB94CC62}" type="datetimeFigureOut">
               <a:rPr lang="zh-CN" altLang="en-US" smtClean="0"/>
-              <a:t>2022/2/24</a:t>
+              <a:t>2022/5/15</a:t>
             </a:fld>
             <a:endParaRPr lang="zh-CN" altLang="en-US"/>
           </a:p>
@@ -18388,7 +18389,7 @@
           <a:p>
             <a:fld id="{35696731-BCD7-4B07-8D84-88CAEB94CC62}" type="datetimeFigureOut">
               <a:rPr lang="zh-CN" altLang="en-US" smtClean="0"/>
-              <a:t>2022/2/24</a:t>
+              <a:t>2022/5/15</a:t>
             </a:fld>
             <a:endParaRPr lang="zh-CN" altLang="en-US"/>
           </a:p>
@@ -18663,7 +18664,7 @@
           <a:p>
             <a:fld id="{35696731-BCD7-4B07-8D84-88CAEB94CC62}" type="datetimeFigureOut">
               <a:rPr lang="zh-CN" altLang="en-US" smtClean="0"/>
-              <a:t>2022/2/24</a:t>
+              <a:t>2022/5/15</a:t>
             </a:fld>
             <a:endParaRPr lang="zh-CN" altLang="en-US"/>
           </a:p>
@@ -18928,7 +18929,7 @@
           <a:p>
             <a:fld id="{35696731-BCD7-4B07-8D84-88CAEB94CC62}" type="datetimeFigureOut">
               <a:rPr lang="zh-CN" altLang="en-US" smtClean="0"/>
-              <a:t>2022/2/24</a:t>
+              <a:t>2022/5/15</a:t>
             </a:fld>
             <a:endParaRPr lang="zh-CN" altLang="en-US"/>
           </a:p>
@@ -19340,7 +19341,7 @@
           <a:p>
             <a:fld id="{35696731-BCD7-4B07-8D84-88CAEB94CC62}" type="datetimeFigureOut">
               <a:rPr lang="zh-CN" altLang="en-US" smtClean="0"/>
-              <a:t>2022/2/24</a:t>
+              <a:t>2022/5/15</a:t>
             </a:fld>
             <a:endParaRPr lang="zh-CN" altLang="en-US"/>
           </a:p>
@@ -19481,7 +19482,7 @@
           <a:p>
             <a:fld id="{35696731-BCD7-4B07-8D84-88CAEB94CC62}" type="datetimeFigureOut">
               <a:rPr lang="zh-CN" altLang="en-US" smtClean="0"/>
-              <a:t>2022/2/24</a:t>
+              <a:t>2022/5/15</a:t>
             </a:fld>
             <a:endParaRPr lang="zh-CN" altLang="en-US"/>
           </a:p>
@@ -19594,7 +19595,7 @@
           <a:p>
             <a:fld id="{35696731-BCD7-4B07-8D84-88CAEB94CC62}" type="datetimeFigureOut">
               <a:rPr lang="zh-CN" altLang="en-US" smtClean="0"/>
-              <a:t>2022/2/24</a:t>
+              <a:t>2022/5/15</a:t>
             </a:fld>
             <a:endParaRPr lang="zh-CN" altLang="en-US"/>
           </a:p>
@@ -19905,7 +19906,7 @@
           <a:p>
             <a:fld id="{35696731-BCD7-4B07-8D84-88CAEB94CC62}" type="datetimeFigureOut">
               <a:rPr lang="zh-CN" altLang="en-US" smtClean="0"/>
-              <a:t>2022/2/24</a:t>
+              <a:t>2022/5/15</a:t>
             </a:fld>
             <a:endParaRPr lang="zh-CN" altLang="en-US"/>
           </a:p>
@@ -20193,7 +20194,7 @@
           <a:p>
             <a:fld id="{35696731-BCD7-4B07-8D84-88CAEB94CC62}" type="datetimeFigureOut">
               <a:rPr lang="zh-CN" altLang="en-US" smtClean="0"/>
-              <a:t>2022/2/24</a:t>
+              <a:t>2022/5/15</a:t>
             </a:fld>
             <a:endParaRPr lang="zh-CN" altLang="en-US"/>
           </a:p>
@@ -20434,7 +20435,7 @@
           <a:p>
             <a:fld id="{35696731-BCD7-4B07-8D84-88CAEB94CC62}" type="datetimeFigureOut">
               <a:rPr lang="zh-CN" altLang="en-US" smtClean="0"/>
-              <a:t>2022/2/24</a:t>
+              <a:t>2022/5/15</a:t>
             </a:fld>
             <a:endParaRPr lang="zh-CN" altLang="en-US"/>
           </a:p>
@@ -24491,6 +24492,1016 @@
 </p:sld>
 </file>
 
+<file path=ppt/slides/slide9.xml><?xml version="1.0" encoding="utf-8"?>
+<p:sld xmlns:a="http://schemas.openxmlformats.org/drawingml/2006/main" xmlns:r="http://schemas.openxmlformats.org/officeDocument/2006/relationships" xmlns:p="http://schemas.openxmlformats.org/presentationml/2006/main">
+  <p:cSld>
+    <p:spTree>
+      <p:nvGrpSpPr>
+        <p:cNvPr id="1" name=""/>
+        <p:cNvGrpSpPr/>
+        <p:nvPr/>
+      </p:nvGrpSpPr>
+      <p:grpSpPr>
+        <a:xfrm>
+          <a:off x="0" y="0"/>
+          <a:ext cx="0" cy="0"/>
+          <a:chOff x="0" y="0"/>
+          <a:chExt cx="0" cy="0"/>
+        </a:xfrm>
+      </p:grpSpPr>
+      <p:sp>
+        <p:nvSpPr>
+          <p:cNvPr id="5" name="矩形: 圆角 4">
+            <a:extLst>
+              <a:ext uri="{FF2B5EF4-FFF2-40B4-BE49-F238E27FC236}">
+                <a16:creationId xmlns:a16="http://schemas.microsoft.com/office/drawing/2014/main" id="{53CD643B-96D8-4E16-B701-5ACF7611E4F6}"/>
+              </a:ext>
+            </a:extLst>
+          </p:cNvPr>
+          <p:cNvSpPr/>
+          <p:nvPr/>
+        </p:nvSpPr>
+        <p:spPr>
+          <a:xfrm>
+            <a:off x="466929" y="2370307"/>
+            <a:ext cx="985736" cy="518808"/>
+          </a:xfrm>
+          <a:prstGeom prst="roundRect">
+            <a:avLst/>
+          </a:prstGeom>
+        </p:spPr>
+        <p:style>
+          <a:lnRef idx="2">
+            <a:schemeClr val="dk1"/>
+          </a:lnRef>
+          <a:fillRef idx="1">
+            <a:schemeClr val="lt1"/>
+          </a:fillRef>
+          <a:effectRef idx="0">
+            <a:schemeClr val="dk1"/>
+          </a:effectRef>
+          <a:fontRef idx="minor">
+            <a:schemeClr val="dk1"/>
+          </a:fontRef>
+        </p:style>
+        <p:txBody>
+          <a:bodyPr rtlCol="0" anchor="ctr"/>
+          <a:lstStyle/>
+          <a:p>
+            <a:pPr algn="ctr"/>
+            <a:r>
+              <a:rPr lang="zh-CN" altLang="en-US" sz="1400" dirty="0">
+                <a:latin typeface="微软雅黑" panose="020B0503020204020204" pitchFamily="34" charset="-122"/>
+                <a:ea typeface="微软雅黑" panose="020B0503020204020204" pitchFamily="34" charset="-122"/>
+              </a:rPr>
+              <a:t>开始</a:t>
+            </a:r>
+          </a:p>
+        </p:txBody>
+      </p:sp>
+      <p:sp>
+        <p:nvSpPr>
+          <p:cNvPr id="7" name="矩形 6">
+            <a:extLst>
+              <a:ext uri="{FF2B5EF4-FFF2-40B4-BE49-F238E27FC236}">
+                <a16:creationId xmlns:a16="http://schemas.microsoft.com/office/drawing/2014/main" id="{AB3F2865-80B4-47F1-BB57-86BD3BF3CF4C}"/>
+              </a:ext>
+            </a:extLst>
+          </p:cNvPr>
+          <p:cNvSpPr/>
+          <p:nvPr/>
+        </p:nvSpPr>
+        <p:spPr>
+          <a:xfrm>
+            <a:off x="2425430" y="2250332"/>
+            <a:ext cx="1562911" cy="758757"/>
+          </a:xfrm>
+          <a:prstGeom prst="rect">
+            <a:avLst/>
+          </a:prstGeom>
+        </p:spPr>
+        <p:style>
+          <a:lnRef idx="2">
+            <a:schemeClr val="dk1"/>
+          </a:lnRef>
+          <a:fillRef idx="1">
+            <a:schemeClr val="lt1"/>
+          </a:fillRef>
+          <a:effectRef idx="0">
+            <a:schemeClr val="dk1"/>
+          </a:effectRef>
+          <a:fontRef idx="minor">
+            <a:schemeClr val="dk1"/>
+          </a:fontRef>
+        </p:style>
+        <p:txBody>
+          <a:bodyPr rtlCol="0" anchor="ctr"/>
+          <a:lstStyle/>
+          <a:p>
+            <a:pPr algn="ctr"/>
+            <a:r>
+              <a:rPr lang="en-US" altLang="zh-CN" sz="1400" dirty="0">
+                <a:latin typeface="微软雅黑" panose="020B0503020204020204" pitchFamily="34" charset="-122"/>
+                <a:ea typeface="微软雅黑" panose="020B0503020204020204" pitchFamily="34" charset="-122"/>
+              </a:rPr>
+              <a:t>Docker</a:t>
+            </a:r>
+            <a:r>
+              <a:rPr lang="zh-CN" altLang="en-US" sz="1400" dirty="0">
+                <a:latin typeface="微软雅黑" panose="020B0503020204020204" pitchFamily="34" charset="-122"/>
+                <a:ea typeface="微软雅黑" panose="020B0503020204020204" pitchFamily="34" charset="-122"/>
+              </a:rPr>
+              <a:t>在本机中寻找该镜像</a:t>
+            </a:r>
+          </a:p>
+        </p:txBody>
+      </p:sp>
+      <p:sp>
+        <p:nvSpPr>
+          <p:cNvPr id="15" name="矩形 14">
+            <a:extLst>
+              <a:ext uri="{FF2B5EF4-FFF2-40B4-BE49-F238E27FC236}">
+                <a16:creationId xmlns:a16="http://schemas.microsoft.com/office/drawing/2014/main" id="{75AF1A59-5274-4C6B-B9E0-42747DEE0617}"/>
+              </a:ext>
+            </a:extLst>
+          </p:cNvPr>
+          <p:cNvSpPr/>
+          <p:nvPr/>
+        </p:nvSpPr>
+        <p:spPr>
+          <a:xfrm>
+            <a:off x="4972455" y="609600"/>
+            <a:ext cx="1637490" cy="758757"/>
+          </a:xfrm>
+          <a:prstGeom prst="rect">
+            <a:avLst/>
+          </a:prstGeom>
+        </p:spPr>
+        <p:style>
+          <a:lnRef idx="2">
+            <a:schemeClr val="dk1"/>
+          </a:lnRef>
+          <a:fillRef idx="1">
+            <a:schemeClr val="lt1"/>
+          </a:fillRef>
+          <a:effectRef idx="0">
+            <a:schemeClr val="dk1"/>
+          </a:effectRef>
+          <a:fontRef idx="minor">
+            <a:schemeClr val="dk1"/>
+          </a:fontRef>
+        </p:style>
+        <p:txBody>
+          <a:bodyPr rtlCol="0" anchor="ctr"/>
+          <a:lstStyle/>
+          <a:p>
+            <a:pPr algn="ctr"/>
+            <a:r>
+              <a:rPr lang="zh-CN" altLang="en-US" sz="1400" dirty="0">
+                <a:latin typeface="微软雅黑" panose="020B0503020204020204" pitchFamily="34" charset="-122"/>
+                <a:ea typeface="微软雅黑" panose="020B0503020204020204" pitchFamily="34" charset="-122"/>
+              </a:rPr>
+              <a:t>以该镜像为模板生产容器实例运行</a:t>
+            </a:r>
+          </a:p>
+        </p:txBody>
+      </p:sp>
+      <p:sp>
+        <p:nvSpPr>
+          <p:cNvPr id="16" name="矩形 15">
+            <a:extLst>
+              <a:ext uri="{FF2B5EF4-FFF2-40B4-BE49-F238E27FC236}">
+                <a16:creationId xmlns:a16="http://schemas.microsoft.com/office/drawing/2014/main" id="{13F14DA1-4082-43CC-A373-3EF24560A2A5}"/>
+              </a:ext>
+            </a:extLst>
+          </p:cNvPr>
+          <p:cNvSpPr/>
+          <p:nvPr/>
+        </p:nvSpPr>
+        <p:spPr>
+          <a:xfrm>
+            <a:off x="10107037" y="2422186"/>
+            <a:ext cx="1562911" cy="758757"/>
+          </a:xfrm>
+          <a:prstGeom prst="rect">
+            <a:avLst/>
+          </a:prstGeom>
+        </p:spPr>
+        <p:style>
+          <a:lnRef idx="2">
+            <a:schemeClr val="dk1"/>
+          </a:lnRef>
+          <a:fillRef idx="1">
+            <a:schemeClr val="lt1"/>
+          </a:fillRef>
+          <a:effectRef idx="0">
+            <a:schemeClr val="dk1"/>
+          </a:effectRef>
+          <a:fontRef idx="minor">
+            <a:schemeClr val="dk1"/>
+          </a:fontRef>
+        </p:style>
+        <p:txBody>
+          <a:bodyPr rtlCol="0" anchor="ctr"/>
+          <a:lstStyle/>
+          <a:p>
+            <a:pPr algn="ctr"/>
+            <a:r>
+              <a:rPr lang="zh-CN" altLang="en-US" sz="1400" dirty="0">
+                <a:latin typeface="微软雅黑" panose="020B0503020204020204" pitchFamily="34" charset="-122"/>
+                <a:ea typeface="微软雅黑" panose="020B0503020204020204" pitchFamily="34" charset="-122"/>
+              </a:rPr>
+              <a:t>以该镜像为模板生产容器实例运行</a:t>
+            </a:r>
+          </a:p>
+        </p:txBody>
+      </p:sp>
+      <p:sp>
+        <p:nvSpPr>
+          <p:cNvPr id="18" name="矩形 17">
+            <a:extLst>
+              <a:ext uri="{FF2B5EF4-FFF2-40B4-BE49-F238E27FC236}">
+                <a16:creationId xmlns:a16="http://schemas.microsoft.com/office/drawing/2014/main" id="{79C97838-34CD-41E4-81F0-C84A6AD232A1}"/>
+              </a:ext>
+            </a:extLst>
+          </p:cNvPr>
+          <p:cNvSpPr/>
+          <p:nvPr/>
+        </p:nvSpPr>
+        <p:spPr>
+          <a:xfrm>
+            <a:off x="5009744" y="3926732"/>
+            <a:ext cx="1562911" cy="758757"/>
+          </a:xfrm>
+          <a:prstGeom prst="rect">
+            <a:avLst/>
+          </a:prstGeom>
+        </p:spPr>
+        <p:style>
+          <a:lnRef idx="2">
+            <a:schemeClr val="dk1"/>
+          </a:lnRef>
+          <a:fillRef idx="1">
+            <a:schemeClr val="lt1"/>
+          </a:fillRef>
+          <a:effectRef idx="0">
+            <a:schemeClr val="dk1"/>
+          </a:effectRef>
+          <a:fontRef idx="minor">
+            <a:schemeClr val="dk1"/>
+          </a:fontRef>
+        </p:style>
+        <p:txBody>
+          <a:bodyPr rtlCol="0" anchor="ctr"/>
+          <a:lstStyle/>
+          <a:p>
+            <a:pPr algn="ctr"/>
+            <a:r>
+              <a:rPr lang="zh-CN" altLang="en-US" sz="1400" dirty="0">
+                <a:latin typeface="微软雅黑" panose="020B0503020204020204" pitchFamily="34" charset="-122"/>
+                <a:ea typeface="微软雅黑" panose="020B0503020204020204" pitchFamily="34" charset="-122"/>
+              </a:rPr>
+              <a:t>去</a:t>
+            </a:r>
+            <a:r>
+              <a:rPr lang="en-US" altLang="zh-CN" sz="1400" dirty="0">
+                <a:latin typeface="微软雅黑" panose="020B0503020204020204" pitchFamily="34" charset="-122"/>
+                <a:ea typeface="微软雅黑" panose="020B0503020204020204" pitchFamily="34" charset="-122"/>
+              </a:rPr>
+              <a:t>Docker Hub</a:t>
+            </a:r>
+            <a:r>
+              <a:rPr lang="zh-CN" altLang="en-US" sz="1400" dirty="0">
+                <a:latin typeface="微软雅黑" panose="020B0503020204020204" pitchFamily="34" charset="-122"/>
+                <a:ea typeface="微软雅黑" panose="020B0503020204020204" pitchFamily="34" charset="-122"/>
+              </a:rPr>
+              <a:t>上查找该镜像</a:t>
+            </a:r>
+          </a:p>
+        </p:txBody>
+      </p:sp>
+      <p:sp>
+        <p:nvSpPr>
+          <p:cNvPr id="19" name="矩形 18">
+            <a:extLst>
+              <a:ext uri="{FF2B5EF4-FFF2-40B4-BE49-F238E27FC236}">
+                <a16:creationId xmlns:a16="http://schemas.microsoft.com/office/drawing/2014/main" id="{C320B09F-8260-4BDA-8894-FC4154CBD864}"/>
+              </a:ext>
+            </a:extLst>
+          </p:cNvPr>
+          <p:cNvSpPr/>
+          <p:nvPr/>
+        </p:nvSpPr>
+        <p:spPr>
+          <a:xfrm>
+            <a:off x="7924795" y="5453975"/>
+            <a:ext cx="1562911" cy="758757"/>
+          </a:xfrm>
+          <a:prstGeom prst="rect">
+            <a:avLst/>
+          </a:prstGeom>
+        </p:spPr>
+        <p:style>
+          <a:lnRef idx="2">
+            <a:schemeClr val="dk1"/>
+          </a:lnRef>
+          <a:fillRef idx="1">
+            <a:schemeClr val="lt1"/>
+          </a:fillRef>
+          <a:effectRef idx="0">
+            <a:schemeClr val="dk1"/>
+          </a:effectRef>
+          <a:fontRef idx="minor">
+            <a:schemeClr val="dk1"/>
+          </a:fontRef>
+        </p:style>
+        <p:txBody>
+          <a:bodyPr rtlCol="0" anchor="ctr"/>
+          <a:lstStyle/>
+          <a:p>
+            <a:pPr algn="ctr"/>
+            <a:r>
+              <a:rPr lang="zh-CN" altLang="en-US" sz="1400" dirty="0">
+                <a:latin typeface="微软雅黑" panose="020B0503020204020204" pitchFamily="34" charset="-122"/>
+                <a:ea typeface="微软雅黑" panose="020B0503020204020204" pitchFamily="34" charset="-122"/>
+              </a:rPr>
+              <a:t>返回错误，查不到该镜像</a:t>
+            </a:r>
+          </a:p>
+        </p:txBody>
+      </p:sp>
+      <p:sp>
+        <p:nvSpPr>
+          <p:cNvPr id="8" name="菱形 7">
+            <a:extLst>
+              <a:ext uri="{FF2B5EF4-FFF2-40B4-BE49-F238E27FC236}">
+                <a16:creationId xmlns:a16="http://schemas.microsoft.com/office/drawing/2014/main" id="{14FE466D-DD8B-47D2-BE2C-26887A6FBD1E}"/>
+              </a:ext>
+            </a:extLst>
+          </p:cNvPr>
+          <p:cNvSpPr/>
+          <p:nvPr/>
+        </p:nvSpPr>
+        <p:spPr>
+          <a:xfrm>
+            <a:off x="7191983" y="3761361"/>
+            <a:ext cx="3028544" cy="1089498"/>
+          </a:xfrm>
+          <a:prstGeom prst="diamond">
+            <a:avLst/>
+          </a:prstGeom>
+        </p:spPr>
+        <p:style>
+          <a:lnRef idx="2">
+            <a:schemeClr val="dk1"/>
+          </a:lnRef>
+          <a:fillRef idx="1">
+            <a:schemeClr val="lt1"/>
+          </a:fillRef>
+          <a:effectRef idx="0">
+            <a:schemeClr val="dk1"/>
+          </a:effectRef>
+          <a:fontRef idx="minor">
+            <a:schemeClr val="dk1"/>
+          </a:fontRef>
+        </p:style>
+        <p:txBody>
+          <a:bodyPr rtlCol="0" anchor="ctr"/>
+          <a:lstStyle/>
+          <a:p>
+            <a:pPr algn="ctr"/>
+            <a:r>
+              <a:rPr lang="en-US" altLang="zh-CN" sz="1400" dirty="0">
+                <a:latin typeface="微软雅黑" panose="020B0503020204020204" pitchFamily="34" charset="-122"/>
+                <a:ea typeface="微软雅黑" panose="020B0503020204020204" pitchFamily="34" charset="-122"/>
+              </a:rPr>
+              <a:t>Hub</a:t>
+            </a:r>
+            <a:r>
+              <a:rPr lang="zh-CN" altLang="en-US" sz="1400" dirty="0">
+                <a:latin typeface="微软雅黑" panose="020B0503020204020204" pitchFamily="34" charset="-122"/>
+                <a:ea typeface="微软雅黑" panose="020B0503020204020204" pitchFamily="34" charset="-122"/>
+              </a:rPr>
+              <a:t>是否找到</a:t>
+            </a:r>
+          </a:p>
+        </p:txBody>
+      </p:sp>
+      <p:sp>
+        <p:nvSpPr>
+          <p:cNvPr id="20" name="菱形 19">
+            <a:extLst>
+              <a:ext uri="{FF2B5EF4-FFF2-40B4-BE49-F238E27FC236}">
+                <a16:creationId xmlns:a16="http://schemas.microsoft.com/office/drawing/2014/main" id="{0E72E624-0506-4100-8C8E-3A5F72DC8F15}"/>
+              </a:ext>
+            </a:extLst>
+          </p:cNvPr>
+          <p:cNvSpPr/>
+          <p:nvPr/>
+        </p:nvSpPr>
+        <p:spPr>
+          <a:xfrm>
+            <a:off x="4276928" y="2084961"/>
+            <a:ext cx="3028544" cy="1089498"/>
+          </a:xfrm>
+          <a:prstGeom prst="diamond">
+            <a:avLst/>
+          </a:prstGeom>
+        </p:spPr>
+        <p:style>
+          <a:lnRef idx="2">
+            <a:schemeClr val="dk1"/>
+          </a:lnRef>
+          <a:fillRef idx="1">
+            <a:schemeClr val="lt1"/>
+          </a:fillRef>
+          <a:effectRef idx="0">
+            <a:schemeClr val="dk1"/>
+          </a:effectRef>
+          <a:fontRef idx="minor">
+            <a:schemeClr val="dk1"/>
+          </a:fontRef>
+        </p:style>
+        <p:txBody>
+          <a:bodyPr rtlCol="0" anchor="ctr"/>
+          <a:lstStyle/>
+          <a:p>
+            <a:pPr algn="ctr"/>
+            <a:r>
+              <a:rPr lang="zh-CN" altLang="en-US" sz="1400" dirty="0">
+                <a:latin typeface="微软雅黑" panose="020B0503020204020204" pitchFamily="34" charset="-122"/>
+                <a:ea typeface="微软雅黑" panose="020B0503020204020204" pitchFamily="34" charset="-122"/>
+              </a:rPr>
+              <a:t>本机是否有该镜像</a:t>
+            </a:r>
+          </a:p>
+        </p:txBody>
+      </p:sp>
+      <p:cxnSp>
+        <p:nvCxnSpPr>
+          <p:cNvPr id="12" name="直接箭头连接符 11">
+            <a:extLst>
+              <a:ext uri="{FF2B5EF4-FFF2-40B4-BE49-F238E27FC236}">
+                <a16:creationId xmlns:a16="http://schemas.microsoft.com/office/drawing/2014/main" id="{5CB0B834-7DC5-43C0-B190-0F3637F88CBC}"/>
+              </a:ext>
+            </a:extLst>
+          </p:cNvPr>
+          <p:cNvCxnSpPr>
+            <a:stCxn id="5" idx="3"/>
+            <a:endCxn id="7" idx="1"/>
+          </p:cNvCxnSpPr>
+          <p:nvPr/>
+        </p:nvCxnSpPr>
+        <p:spPr>
+          <a:xfrm>
+            <a:off x="1452665" y="2629711"/>
+            <a:ext cx="972765" cy="0"/>
+          </a:xfrm>
+          <a:prstGeom prst="straightConnector1">
+            <a:avLst/>
+          </a:prstGeom>
+          <a:ln>
+            <a:tailEnd type="triangle"/>
+          </a:ln>
+        </p:spPr>
+        <p:style>
+          <a:lnRef idx="1">
+            <a:schemeClr val="dk1"/>
+          </a:lnRef>
+          <a:fillRef idx="0">
+            <a:schemeClr val="dk1"/>
+          </a:fillRef>
+          <a:effectRef idx="0">
+            <a:schemeClr val="dk1"/>
+          </a:effectRef>
+          <a:fontRef idx="minor">
+            <a:schemeClr val="tx1"/>
+          </a:fontRef>
+        </p:style>
+      </p:cxnSp>
+      <p:cxnSp>
+        <p:nvCxnSpPr>
+          <p:cNvPr id="23" name="直接箭头连接符 22">
+            <a:extLst>
+              <a:ext uri="{FF2B5EF4-FFF2-40B4-BE49-F238E27FC236}">
+                <a16:creationId xmlns:a16="http://schemas.microsoft.com/office/drawing/2014/main" id="{2EA82E6D-F8E0-4409-9CEB-FD09112B5ACF}"/>
+              </a:ext>
+            </a:extLst>
+          </p:cNvPr>
+          <p:cNvCxnSpPr>
+            <a:cxnSpLocks/>
+            <a:stCxn id="7" idx="3"/>
+            <a:endCxn id="20" idx="1"/>
+          </p:cNvCxnSpPr>
+          <p:nvPr/>
+        </p:nvCxnSpPr>
+        <p:spPr>
+          <a:xfrm flipV="1">
+            <a:off x="3988341" y="2629710"/>
+            <a:ext cx="288587" cy="1"/>
+          </a:xfrm>
+          <a:prstGeom prst="straightConnector1">
+            <a:avLst/>
+          </a:prstGeom>
+          <a:ln>
+            <a:tailEnd type="triangle"/>
+          </a:ln>
+        </p:spPr>
+        <p:style>
+          <a:lnRef idx="1">
+            <a:schemeClr val="dk1"/>
+          </a:lnRef>
+          <a:fillRef idx="0">
+            <a:schemeClr val="dk1"/>
+          </a:fillRef>
+          <a:effectRef idx="0">
+            <a:schemeClr val="dk1"/>
+          </a:effectRef>
+          <a:fontRef idx="minor">
+            <a:schemeClr val="tx1"/>
+          </a:fontRef>
+        </p:style>
+      </p:cxnSp>
+      <p:cxnSp>
+        <p:nvCxnSpPr>
+          <p:cNvPr id="27" name="直接箭头连接符 26">
+            <a:extLst>
+              <a:ext uri="{FF2B5EF4-FFF2-40B4-BE49-F238E27FC236}">
+                <a16:creationId xmlns:a16="http://schemas.microsoft.com/office/drawing/2014/main" id="{0A5FE25F-0028-4EA7-A4CA-D99358F3E4F9}"/>
+              </a:ext>
+            </a:extLst>
+          </p:cNvPr>
+          <p:cNvCxnSpPr>
+            <a:cxnSpLocks/>
+            <a:stCxn id="20" idx="2"/>
+            <a:endCxn id="18" idx="0"/>
+          </p:cNvCxnSpPr>
+          <p:nvPr/>
+        </p:nvCxnSpPr>
+        <p:spPr>
+          <a:xfrm>
+            <a:off x="5791200" y="3174459"/>
+            <a:ext cx="0" cy="752273"/>
+          </a:xfrm>
+          <a:prstGeom prst="straightConnector1">
+            <a:avLst/>
+          </a:prstGeom>
+          <a:ln>
+            <a:tailEnd type="triangle"/>
+          </a:ln>
+        </p:spPr>
+        <p:style>
+          <a:lnRef idx="1">
+            <a:schemeClr val="dk1"/>
+          </a:lnRef>
+          <a:fillRef idx="0">
+            <a:schemeClr val="dk1"/>
+          </a:fillRef>
+          <a:effectRef idx="0">
+            <a:schemeClr val="dk1"/>
+          </a:effectRef>
+          <a:fontRef idx="minor">
+            <a:schemeClr val="tx1"/>
+          </a:fontRef>
+        </p:style>
+      </p:cxnSp>
+      <p:cxnSp>
+        <p:nvCxnSpPr>
+          <p:cNvPr id="31" name="直接箭头连接符 30">
+            <a:extLst>
+              <a:ext uri="{FF2B5EF4-FFF2-40B4-BE49-F238E27FC236}">
+                <a16:creationId xmlns:a16="http://schemas.microsoft.com/office/drawing/2014/main" id="{2A6BC49D-3899-4B4D-9C44-6A223A0CE5F6}"/>
+              </a:ext>
+            </a:extLst>
+          </p:cNvPr>
+          <p:cNvCxnSpPr>
+            <a:cxnSpLocks/>
+            <a:stCxn id="20" idx="0"/>
+            <a:endCxn id="15" idx="2"/>
+          </p:cNvCxnSpPr>
+          <p:nvPr/>
+        </p:nvCxnSpPr>
+        <p:spPr>
+          <a:xfrm flipV="1">
+            <a:off x="5791200" y="1368357"/>
+            <a:ext cx="0" cy="716604"/>
+          </a:xfrm>
+          <a:prstGeom prst="straightConnector1">
+            <a:avLst/>
+          </a:prstGeom>
+          <a:ln>
+            <a:tailEnd type="triangle"/>
+          </a:ln>
+        </p:spPr>
+        <p:style>
+          <a:lnRef idx="1">
+            <a:schemeClr val="dk1"/>
+          </a:lnRef>
+          <a:fillRef idx="0">
+            <a:schemeClr val="dk1"/>
+          </a:fillRef>
+          <a:effectRef idx="0">
+            <a:schemeClr val="dk1"/>
+          </a:effectRef>
+          <a:fontRef idx="minor">
+            <a:schemeClr val="tx1"/>
+          </a:fontRef>
+        </p:style>
+      </p:cxnSp>
+      <p:cxnSp>
+        <p:nvCxnSpPr>
+          <p:cNvPr id="35" name="直接箭头连接符 34">
+            <a:extLst>
+              <a:ext uri="{FF2B5EF4-FFF2-40B4-BE49-F238E27FC236}">
+                <a16:creationId xmlns:a16="http://schemas.microsoft.com/office/drawing/2014/main" id="{339AF9A0-0500-410D-A224-B841D3916B44}"/>
+              </a:ext>
+            </a:extLst>
+          </p:cNvPr>
+          <p:cNvCxnSpPr>
+            <a:cxnSpLocks/>
+            <a:stCxn id="18" idx="3"/>
+            <a:endCxn id="8" idx="1"/>
+          </p:cNvCxnSpPr>
+          <p:nvPr/>
+        </p:nvCxnSpPr>
+        <p:spPr>
+          <a:xfrm flipV="1">
+            <a:off x="6572655" y="4306110"/>
+            <a:ext cx="619328" cy="1"/>
+          </a:xfrm>
+          <a:prstGeom prst="straightConnector1">
+            <a:avLst/>
+          </a:prstGeom>
+          <a:ln>
+            <a:tailEnd type="triangle"/>
+          </a:ln>
+        </p:spPr>
+        <p:style>
+          <a:lnRef idx="1">
+            <a:schemeClr val="dk1"/>
+          </a:lnRef>
+          <a:fillRef idx="0">
+            <a:schemeClr val="dk1"/>
+          </a:fillRef>
+          <a:effectRef idx="0">
+            <a:schemeClr val="dk1"/>
+          </a:effectRef>
+          <a:fontRef idx="minor">
+            <a:schemeClr val="tx1"/>
+          </a:fontRef>
+        </p:style>
+      </p:cxnSp>
+      <p:cxnSp>
+        <p:nvCxnSpPr>
+          <p:cNvPr id="39" name="直接箭头连接符 38">
+            <a:extLst>
+              <a:ext uri="{FF2B5EF4-FFF2-40B4-BE49-F238E27FC236}">
+                <a16:creationId xmlns:a16="http://schemas.microsoft.com/office/drawing/2014/main" id="{3119D27B-A214-45C9-A8DB-699DF38A6CB0}"/>
+              </a:ext>
+            </a:extLst>
+          </p:cNvPr>
+          <p:cNvCxnSpPr>
+            <a:cxnSpLocks/>
+            <a:stCxn id="8" idx="0"/>
+            <a:endCxn id="42" idx="2"/>
+          </p:cNvCxnSpPr>
+          <p:nvPr/>
+        </p:nvCxnSpPr>
+        <p:spPr>
+          <a:xfrm flipV="1">
+            <a:off x="8706255" y="3180943"/>
+            <a:ext cx="0" cy="580418"/>
+          </a:xfrm>
+          <a:prstGeom prst="straightConnector1">
+            <a:avLst/>
+          </a:prstGeom>
+          <a:ln>
+            <a:tailEnd type="triangle"/>
+          </a:ln>
+        </p:spPr>
+        <p:style>
+          <a:lnRef idx="1">
+            <a:schemeClr val="dk1"/>
+          </a:lnRef>
+          <a:fillRef idx="0">
+            <a:schemeClr val="dk1"/>
+          </a:fillRef>
+          <a:effectRef idx="0">
+            <a:schemeClr val="dk1"/>
+          </a:effectRef>
+          <a:fontRef idx="minor">
+            <a:schemeClr val="tx1"/>
+          </a:fontRef>
+        </p:style>
+      </p:cxnSp>
+      <p:sp>
+        <p:nvSpPr>
+          <p:cNvPr id="42" name="矩形 41">
+            <a:extLst>
+              <a:ext uri="{FF2B5EF4-FFF2-40B4-BE49-F238E27FC236}">
+                <a16:creationId xmlns:a16="http://schemas.microsoft.com/office/drawing/2014/main" id="{30D3E700-6B5F-4FF0-B456-24D460E474CC}"/>
+              </a:ext>
+            </a:extLst>
+          </p:cNvPr>
+          <p:cNvSpPr/>
+          <p:nvPr/>
+        </p:nvSpPr>
+        <p:spPr>
+          <a:xfrm>
+            <a:off x="7924799" y="2422186"/>
+            <a:ext cx="1562911" cy="758757"/>
+          </a:xfrm>
+          <a:prstGeom prst="rect">
+            <a:avLst/>
+          </a:prstGeom>
+        </p:spPr>
+        <p:style>
+          <a:lnRef idx="2">
+            <a:schemeClr val="dk1"/>
+          </a:lnRef>
+          <a:fillRef idx="1">
+            <a:schemeClr val="lt1"/>
+          </a:fillRef>
+          <a:effectRef idx="0">
+            <a:schemeClr val="dk1"/>
+          </a:effectRef>
+          <a:fontRef idx="minor">
+            <a:schemeClr val="dk1"/>
+          </a:fontRef>
+        </p:style>
+        <p:txBody>
+          <a:bodyPr rtlCol="0" anchor="ctr"/>
+          <a:lstStyle/>
+          <a:p>
+            <a:pPr algn="ctr"/>
+            <a:r>
+              <a:rPr lang="zh-CN" altLang="en-US" sz="1400" dirty="0">
+                <a:latin typeface="微软雅黑" panose="020B0503020204020204" pitchFamily="34" charset="-122"/>
+                <a:ea typeface="微软雅黑" panose="020B0503020204020204" pitchFamily="34" charset="-122"/>
+              </a:rPr>
+              <a:t>下载镜像到本地</a:t>
+            </a:r>
+          </a:p>
+        </p:txBody>
+      </p:sp>
+      <p:cxnSp>
+        <p:nvCxnSpPr>
+          <p:cNvPr id="45" name="直接箭头连接符 44">
+            <a:extLst>
+              <a:ext uri="{FF2B5EF4-FFF2-40B4-BE49-F238E27FC236}">
+                <a16:creationId xmlns:a16="http://schemas.microsoft.com/office/drawing/2014/main" id="{16D34494-E128-45EF-BB54-B647CA5170DC}"/>
+              </a:ext>
+            </a:extLst>
+          </p:cNvPr>
+          <p:cNvCxnSpPr>
+            <a:cxnSpLocks/>
+            <a:stCxn id="42" idx="3"/>
+            <a:endCxn id="16" idx="1"/>
+          </p:cNvCxnSpPr>
+          <p:nvPr/>
+        </p:nvCxnSpPr>
+        <p:spPr>
+          <a:xfrm>
+            <a:off x="9487710" y="2801565"/>
+            <a:ext cx="619327" cy="0"/>
+          </a:xfrm>
+          <a:prstGeom prst="straightConnector1">
+            <a:avLst/>
+          </a:prstGeom>
+          <a:ln>
+            <a:tailEnd type="triangle"/>
+          </a:ln>
+        </p:spPr>
+        <p:style>
+          <a:lnRef idx="1">
+            <a:schemeClr val="dk1"/>
+          </a:lnRef>
+          <a:fillRef idx="0">
+            <a:schemeClr val="dk1"/>
+          </a:fillRef>
+          <a:effectRef idx="0">
+            <a:schemeClr val="dk1"/>
+          </a:effectRef>
+          <a:fontRef idx="minor">
+            <a:schemeClr val="tx1"/>
+          </a:fontRef>
+        </p:style>
+      </p:cxnSp>
+      <p:sp>
+        <p:nvSpPr>
+          <p:cNvPr id="51" name="矩形 50">
+            <a:extLst>
+              <a:ext uri="{FF2B5EF4-FFF2-40B4-BE49-F238E27FC236}">
+                <a16:creationId xmlns:a16="http://schemas.microsoft.com/office/drawing/2014/main" id="{B7E13073-2FE5-4651-A025-F701632BFF2F}"/>
+              </a:ext>
+            </a:extLst>
+          </p:cNvPr>
+          <p:cNvSpPr/>
+          <p:nvPr/>
+        </p:nvSpPr>
+        <p:spPr>
+          <a:xfrm>
+            <a:off x="5541521" y="1608306"/>
+            <a:ext cx="499353" cy="272375"/>
+          </a:xfrm>
+          <a:prstGeom prst="rect">
+            <a:avLst/>
+          </a:prstGeom>
+        </p:spPr>
+        <p:style>
+          <a:lnRef idx="2">
+            <a:schemeClr val="dk1"/>
+          </a:lnRef>
+          <a:fillRef idx="1">
+            <a:schemeClr val="lt1"/>
+          </a:fillRef>
+          <a:effectRef idx="0">
+            <a:schemeClr val="dk1"/>
+          </a:effectRef>
+          <a:fontRef idx="minor">
+            <a:schemeClr val="dk1"/>
+          </a:fontRef>
+        </p:style>
+        <p:txBody>
+          <a:bodyPr rtlCol="0" anchor="ctr"/>
+          <a:lstStyle/>
+          <a:p>
+            <a:pPr algn="ctr"/>
+            <a:r>
+              <a:rPr lang="zh-CN" altLang="en-US" sz="1400" dirty="0">
+                <a:solidFill>
+                  <a:schemeClr val="dk1"/>
+                </a:solidFill>
+                <a:latin typeface="微软雅黑" panose="020B0503020204020204" pitchFamily="34" charset="-122"/>
+                <a:ea typeface="微软雅黑" panose="020B0503020204020204" pitchFamily="34" charset="-122"/>
+              </a:rPr>
+              <a:t>是</a:t>
+            </a:r>
+          </a:p>
+        </p:txBody>
+      </p:sp>
+      <p:sp>
+        <p:nvSpPr>
+          <p:cNvPr id="52" name="矩形 51">
+            <a:extLst>
+              <a:ext uri="{FF2B5EF4-FFF2-40B4-BE49-F238E27FC236}">
+                <a16:creationId xmlns:a16="http://schemas.microsoft.com/office/drawing/2014/main" id="{E04DCDF6-AAA0-4D76-9E90-536DF8430870}"/>
+              </a:ext>
+            </a:extLst>
+          </p:cNvPr>
+          <p:cNvSpPr/>
+          <p:nvPr/>
+        </p:nvSpPr>
+        <p:spPr>
+          <a:xfrm>
+            <a:off x="8456576" y="5016229"/>
+            <a:ext cx="499353" cy="272375"/>
+          </a:xfrm>
+          <a:prstGeom prst="rect">
+            <a:avLst/>
+          </a:prstGeom>
+        </p:spPr>
+        <p:style>
+          <a:lnRef idx="2">
+            <a:schemeClr val="dk1"/>
+          </a:lnRef>
+          <a:fillRef idx="1">
+            <a:schemeClr val="lt1"/>
+          </a:fillRef>
+          <a:effectRef idx="0">
+            <a:schemeClr val="dk1"/>
+          </a:effectRef>
+          <a:fontRef idx="minor">
+            <a:schemeClr val="dk1"/>
+          </a:fontRef>
+        </p:style>
+        <p:txBody>
+          <a:bodyPr rtlCol="0" anchor="ctr"/>
+          <a:lstStyle/>
+          <a:p>
+            <a:pPr algn="ctr"/>
+            <a:r>
+              <a:rPr lang="zh-CN" altLang="en-US" sz="1400" dirty="0">
+                <a:solidFill>
+                  <a:schemeClr val="dk1"/>
+                </a:solidFill>
+                <a:latin typeface="微软雅黑" panose="020B0503020204020204" pitchFamily="34" charset="-122"/>
+                <a:ea typeface="微软雅黑" panose="020B0503020204020204" pitchFamily="34" charset="-122"/>
+              </a:rPr>
+              <a:t>否</a:t>
+            </a:r>
+          </a:p>
+        </p:txBody>
+      </p:sp>
+      <p:cxnSp>
+        <p:nvCxnSpPr>
+          <p:cNvPr id="56" name="直接箭头连接符 55">
+            <a:extLst>
+              <a:ext uri="{FF2B5EF4-FFF2-40B4-BE49-F238E27FC236}">
+                <a16:creationId xmlns:a16="http://schemas.microsoft.com/office/drawing/2014/main" id="{F490B0B0-E249-4D11-A4B7-4FDB490A6D3D}"/>
+              </a:ext>
+            </a:extLst>
+          </p:cNvPr>
+          <p:cNvCxnSpPr>
+            <a:cxnSpLocks/>
+            <a:stCxn id="8" idx="2"/>
+            <a:endCxn id="19" idx="0"/>
+          </p:cNvCxnSpPr>
+          <p:nvPr/>
+        </p:nvCxnSpPr>
+        <p:spPr>
+          <a:xfrm flipH="1">
+            <a:off x="8706251" y="4850859"/>
+            <a:ext cx="4" cy="603116"/>
+          </a:xfrm>
+          <a:prstGeom prst="straightConnector1">
+            <a:avLst/>
+          </a:prstGeom>
+          <a:ln>
+            <a:tailEnd type="triangle"/>
+          </a:ln>
+        </p:spPr>
+        <p:style>
+          <a:lnRef idx="1">
+            <a:schemeClr val="dk1"/>
+          </a:lnRef>
+          <a:fillRef idx="0">
+            <a:schemeClr val="dk1"/>
+          </a:fillRef>
+          <a:effectRef idx="0">
+            <a:schemeClr val="dk1"/>
+          </a:effectRef>
+          <a:fontRef idx="minor">
+            <a:schemeClr val="tx1"/>
+          </a:fontRef>
+        </p:style>
+      </p:cxnSp>
+      <p:sp>
+        <p:nvSpPr>
+          <p:cNvPr id="67" name="矩形 66">
+            <a:extLst>
+              <a:ext uri="{FF2B5EF4-FFF2-40B4-BE49-F238E27FC236}">
+                <a16:creationId xmlns:a16="http://schemas.microsoft.com/office/drawing/2014/main" id="{46CBFAA2-2138-4B6C-9631-CD1921C34DA6}"/>
+              </a:ext>
+            </a:extLst>
+          </p:cNvPr>
+          <p:cNvSpPr/>
+          <p:nvPr/>
+        </p:nvSpPr>
+        <p:spPr>
+          <a:xfrm>
+            <a:off x="8456576" y="3414407"/>
+            <a:ext cx="499353" cy="272375"/>
+          </a:xfrm>
+          <a:prstGeom prst="rect">
+            <a:avLst/>
+          </a:prstGeom>
+        </p:spPr>
+        <p:style>
+          <a:lnRef idx="2">
+            <a:schemeClr val="dk1"/>
+          </a:lnRef>
+          <a:fillRef idx="1">
+            <a:schemeClr val="lt1"/>
+          </a:fillRef>
+          <a:effectRef idx="0">
+            <a:schemeClr val="dk1"/>
+          </a:effectRef>
+          <a:fontRef idx="minor">
+            <a:schemeClr val="dk1"/>
+          </a:fontRef>
+        </p:style>
+        <p:txBody>
+          <a:bodyPr rtlCol="0" anchor="ctr"/>
+          <a:lstStyle/>
+          <a:p>
+            <a:pPr algn="ctr"/>
+            <a:r>
+              <a:rPr lang="zh-CN" altLang="en-US" sz="1400" dirty="0">
+                <a:solidFill>
+                  <a:schemeClr val="dk1"/>
+                </a:solidFill>
+                <a:latin typeface="微软雅黑" panose="020B0503020204020204" pitchFamily="34" charset="-122"/>
+                <a:ea typeface="微软雅黑" panose="020B0503020204020204" pitchFamily="34" charset="-122"/>
+              </a:rPr>
+              <a:t>是</a:t>
+            </a:r>
+          </a:p>
+        </p:txBody>
+      </p:sp>
+    </p:spTree>
+    <p:extLst>
+      <p:ext uri="{BB962C8B-B14F-4D97-AF65-F5344CB8AC3E}">
+        <p14:creationId xmlns:p14="http://schemas.microsoft.com/office/powerpoint/2010/main" val="4091169193"/>
+      </p:ext>
+    </p:extLst>
+  </p:cSld>
+  <p:clrMapOvr>
+    <a:masterClrMapping/>
+  </p:clrMapOvr>
+</p:sld>
+</file>
+
 <file path=ppt/theme/theme1.xml><?xml version="1.0" encoding="utf-8"?>
 <a:theme xmlns:a="http://schemas.openxmlformats.org/drawingml/2006/main" name="Office 主题​​">
   <a:themeElements>

--- a/原始绘图/作图.pptx
+++ b/原始绘图/作图.pptx
@@ -17785,7 +17785,7 @@
           <a:p>
             <a:fld id="{35696731-BCD7-4B07-8D84-88CAEB94CC62}" type="datetimeFigureOut">
               <a:rPr lang="zh-CN" altLang="en-US" smtClean="0"/>
-              <a:t>2022/5/15</a:t>
+              <a:t>2022/5/22</a:t>
             </a:fld>
             <a:endParaRPr lang="zh-CN" altLang="en-US"/>
           </a:p>
@@ -17983,7 +17983,7 @@
           <a:p>
             <a:fld id="{35696731-BCD7-4B07-8D84-88CAEB94CC62}" type="datetimeFigureOut">
               <a:rPr lang="zh-CN" altLang="en-US" smtClean="0"/>
-              <a:t>2022/5/15</a:t>
+              <a:t>2022/5/22</a:t>
             </a:fld>
             <a:endParaRPr lang="zh-CN" altLang="en-US"/>
           </a:p>
@@ -18191,7 +18191,7 @@
           <a:p>
             <a:fld id="{35696731-BCD7-4B07-8D84-88CAEB94CC62}" type="datetimeFigureOut">
               <a:rPr lang="zh-CN" altLang="en-US" smtClean="0"/>
-              <a:t>2022/5/15</a:t>
+              <a:t>2022/5/22</a:t>
             </a:fld>
             <a:endParaRPr lang="zh-CN" altLang="en-US"/>
           </a:p>
@@ -18389,7 +18389,7 @@
           <a:p>
             <a:fld id="{35696731-BCD7-4B07-8D84-88CAEB94CC62}" type="datetimeFigureOut">
               <a:rPr lang="zh-CN" altLang="en-US" smtClean="0"/>
-              <a:t>2022/5/15</a:t>
+              <a:t>2022/5/22</a:t>
             </a:fld>
             <a:endParaRPr lang="zh-CN" altLang="en-US"/>
           </a:p>
@@ -18664,7 +18664,7 @@
           <a:p>
             <a:fld id="{35696731-BCD7-4B07-8D84-88CAEB94CC62}" type="datetimeFigureOut">
               <a:rPr lang="zh-CN" altLang="en-US" smtClean="0"/>
-              <a:t>2022/5/15</a:t>
+              <a:t>2022/5/22</a:t>
             </a:fld>
             <a:endParaRPr lang="zh-CN" altLang="en-US"/>
           </a:p>
@@ -18929,7 +18929,7 @@
           <a:p>
             <a:fld id="{35696731-BCD7-4B07-8D84-88CAEB94CC62}" type="datetimeFigureOut">
               <a:rPr lang="zh-CN" altLang="en-US" smtClean="0"/>
-              <a:t>2022/5/15</a:t>
+              <a:t>2022/5/22</a:t>
             </a:fld>
             <a:endParaRPr lang="zh-CN" altLang="en-US"/>
           </a:p>
@@ -19341,7 +19341,7 @@
           <a:p>
             <a:fld id="{35696731-BCD7-4B07-8D84-88CAEB94CC62}" type="datetimeFigureOut">
               <a:rPr lang="zh-CN" altLang="en-US" smtClean="0"/>
-              <a:t>2022/5/15</a:t>
+              <a:t>2022/5/22</a:t>
             </a:fld>
             <a:endParaRPr lang="zh-CN" altLang="en-US"/>
           </a:p>
@@ -19482,7 +19482,7 @@
           <a:p>
             <a:fld id="{35696731-BCD7-4B07-8D84-88CAEB94CC62}" type="datetimeFigureOut">
               <a:rPr lang="zh-CN" altLang="en-US" smtClean="0"/>
-              <a:t>2022/5/15</a:t>
+              <a:t>2022/5/22</a:t>
             </a:fld>
             <a:endParaRPr lang="zh-CN" altLang="en-US"/>
           </a:p>
@@ -19595,7 +19595,7 @@
           <a:p>
             <a:fld id="{35696731-BCD7-4B07-8D84-88CAEB94CC62}" type="datetimeFigureOut">
               <a:rPr lang="zh-CN" altLang="en-US" smtClean="0"/>
-              <a:t>2022/5/15</a:t>
+              <a:t>2022/5/22</a:t>
             </a:fld>
             <a:endParaRPr lang="zh-CN" altLang="en-US"/>
           </a:p>
@@ -19906,7 +19906,7 @@
           <a:p>
             <a:fld id="{35696731-BCD7-4B07-8D84-88CAEB94CC62}" type="datetimeFigureOut">
               <a:rPr lang="zh-CN" altLang="en-US" smtClean="0"/>
-              <a:t>2022/5/15</a:t>
+              <a:t>2022/5/22</a:t>
             </a:fld>
             <a:endParaRPr lang="zh-CN" altLang="en-US"/>
           </a:p>
@@ -20194,7 +20194,7 @@
           <a:p>
             <a:fld id="{35696731-BCD7-4B07-8D84-88CAEB94CC62}" type="datetimeFigureOut">
               <a:rPr lang="zh-CN" altLang="en-US" smtClean="0"/>
-              <a:t>2022/5/15</a:t>
+              <a:t>2022/5/22</a:t>
             </a:fld>
             <a:endParaRPr lang="zh-CN" altLang="en-US"/>
           </a:p>
@@ -20435,7 +20435,7 @@
           <a:p>
             <a:fld id="{35696731-BCD7-4B07-8D84-88CAEB94CC62}" type="datetimeFigureOut">
               <a:rPr lang="zh-CN" altLang="en-US" smtClean="0"/>
-              <a:t>2022/5/15</a:t>
+              <a:t>2022/5/22</a:t>
             </a:fld>
             <a:endParaRPr lang="zh-CN" altLang="en-US"/>
           </a:p>
